--- a/Graphs/DFA/DFA Drawing/25.pptx
+++ b/Graphs/DFA/DFA Drawing/25.pptx
@@ -244,7 +244,7 @@
           <a:p>
             <a:fld id="{730B001D-5C24-4F6D-9C38-E108FFB43397}" type="datetimeFigureOut">
               <a:rPr lang="en-US" smtClean="0"/>
-              <a:t>5/14/2022</a:t>
+              <a:t>14-May-22</a:t>
             </a:fld>
             <a:endParaRPr lang="en-US"/>
           </a:p>
@@ -414,7 +414,7 @@
           <a:p>
             <a:fld id="{730B001D-5C24-4F6D-9C38-E108FFB43397}" type="datetimeFigureOut">
               <a:rPr lang="en-US" smtClean="0"/>
-              <a:t>5/14/2022</a:t>
+              <a:t>14-May-22</a:t>
             </a:fld>
             <a:endParaRPr lang="en-US"/>
           </a:p>
@@ -594,7 +594,7 @@
           <a:p>
             <a:fld id="{730B001D-5C24-4F6D-9C38-E108FFB43397}" type="datetimeFigureOut">
               <a:rPr lang="en-US" smtClean="0"/>
-              <a:t>5/14/2022</a:t>
+              <a:t>14-May-22</a:t>
             </a:fld>
             <a:endParaRPr lang="en-US"/>
           </a:p>
@@ -764,7 +764,7 @@
           <a:p>
             <a:fld id="{730B001D-5C24-4F6D-9C38-E108FFB43397}" type="datetimeFigureOut">
               <a:rPr lang="en-US" smtClean="0"/>
-              <a:t>5/14/2022</a:t>
+              <a:t>14-May-22</a:t>
             </a:fld>
             <a:endParaRPr lang="en-US"/>
           </a:p>
@@ -1010,7 +1010,7 @@
           <a:p>
             <a:fld id="{730B001D-5C24-4F6D-9C38-E108FFB43397}" type="datetimeFigureOut">
               <a:rPr lang="en-US" smtClean="0"/>
-              <a:t>5/14/2022</a:t>
+              <a:t>14-May-22</a:t>
             </a:fld>
             <a:endParaRPr lang="en-US"/>
           </a:p>
@@ -1242,7 +1242,7 @@
           <a:p>
             <a:fld id="{730B001D-5C24-4F6D-9C38-E108FFB43397}" type="datetimeFigureOut">
               <a:rPr lang="en-US" smtClean="0"/>
-              <a:t>5/14/2022</a:t>
+              <a:t>14-May-22</a:t>
             </a:fld>
             <a:endParaRPr lang="en-US"/>
           </a:p>
@@ -1609,7 +1609,7 @@
           <a:p>
             <a:fld id="{730B001D-5C24-4F6D-9C38-E108FFB43397}" type="datetimeFigureOut">
               <a:rPr lang="en-US" smtClean="0"/>
-              <a:t>5/14/2022</a:t>
+              <a:t>14-May-22</a:t>
             </a:fld>
             <a:endParaRPr lang="en-US"/>
           </a:p>
@@ -1727,7 +1727,7 @@
           <a:p>
             <a:fld id="{730B001D-5C24-4F6D-9C38-E108FFB43397}" type="datetimeFigureOut">
               <a:rPr lang="en-US" smtClean="0"/>
-              <a:t>5/14/2022</a:t>
+              <a:t>14-May-22</a:t>
             </a:fld>
             <a:endParaRPr lang="en-US"/>
           </a:p>
@@ -1822,7 +1822,7 @@
           <a:p>
             <a:fld id="{730B001D-5C24-4F6D-9C38-E108FFB43397}" type="datetimeFigureOut">
               <a:rPr lang="en-US" smtClean="0"/>
-              <a:t>5/14/2022</a:t>
+              <a:t>14-May-22</a:t>
             </a:fld>
             <a:endParaRPr lang="en-US"/>
           </a:p>
@@ -2099,7 +2099,7 @@
           <a:p>
             <a:fld id="{730B001D-5C24-4F6D-9C38-E108FFB43397}" type="datetimeFigureOut">
               <a:rPr lang="en-US" smtClean="0"/>
-              <a:t>5/14/2022</a:t>
+              <a:t>14-May-22</a:t>
             </a:fld>
             <a:endParaRPr lang="en-US"/>
           </a:p>
@@ -2356,7 +2356,7 @@
           <a:p>
             <a:fld id="{730B001D-5C24-4F6D-9C38-E108FFB43397}" type="datetimeFigureOut">
               <a:rPr lang="en-US" smtClean="0"/>
-              <a:t>5/14/2022</a:t>
+              <a:t>14-May-22</a:t>
             </a:fld>
             <a:endParaRPr lang="en-US"/>
           </a:p>
@@ -2569,7 +2569,7 @@
           <a:p>
             <a:fld id="{730B001D-5C24-4F6D-9C38-E108FFB43397}" type="datetimeFigureOut">
               <a:rPr lang="en-US" smtClean="0"/>
-              <a:t>5/14/2022</a:t>
+              <a:t>14-May-22</a:t>
             </a:fld>
             <a:endParaRPr lang="en-US"/>
           </a:p>
@@ -3945,13 +3945,14 @@
             <p:cNvCxnSpPr>
               <a:cxnSpLocks/>
               <a:stCxn id="27" idx="6"/>
+              <a:endCxn id="31" idx="2"/>
             </p:cNvCxnSpPr>
             <p:nvPr/>
           </p:nvCxnSpPr>
           <p:spPr>
             <a:xfrm>
               <a:off x="-44168188" y="2050176"/>
-              <a:ext cx="4300166" cy="0"/>
+              <a:ext cx="7101084" cy="0"/>
             </a:xfrm>
             <a:prstGeom prst="straightConnector1">
               <a:avLst/>
@@ -4023,7 +4024,7 @@
         <p:spPr>
           <a:xfrm>
             <a:off x="1784006" y="3299536"/>
-            <a:ext cx="696532" cy="307777"/>
+            <a:ext cx="1558634" cy="276999"/>
           </a:xfrm>
           <a:prstGeom prst="rect">
             <a:avLst/>
@@ -4037,8 +4038,8 @@
           <a:lstStyle/>
           <a:p>
             <a:r>
-              <a:rPr lang="en-US" sz="1400" b="1" dirty="0"/>
-              <a:t>[0-9]</a:t>
+              <a:rPr lang="en-US" sz="1200" b="1" dirty="0"/>
+              <a:t>0,1,2,3,4,5,6,7,8,9</a:t>
             </a:r>
           </a:p>
         </p:txBody>
@@ -4057,10 +4058,10 @@
         </p:nvGrpSpPr>
         <p:grpSpPr>
           <a:xfrm>
-            <a:off x="2723461" y="3027434"/>
-            <a:ext cx="620210" cy="1042213"/>
-            <a:chOff x="5162532" y="461052"/>
-            <a:chExt cx="472541" cy="794067"/>
+            <a:off x="3247072" y="3011003"/>
+            <a:ext cx="1962330" cy="978923"/>
+            <a:chOff x="4949454" y="461052"/>
+            <a:chExt cx="1495109" cy="745846"/>
           </a:xfrm>
         </p:grpSpPr>
         <p:sp>
@@ -4138,10 +4139,10 @@
           </p:nvGrpSpPr>
           <p:grpSpPr>
             <a:xfrm>
-              <a:off x="5162532" y="795619"/>
-              <a:ext cx="472541" cy="459500"/>
-              <a:chOff x="5162532" y="795619"/>
-              <a:chExt cx="472541" cy="459500"/>
+              <a:off x="4949454" y="795619"/>
+              <a:ext cx="1495109" cy="411279"/>
+              <a:chOff x="4949454" y="795619"/>
+              <a:chExt cx="1495109" cy="411279"/>
             </a:xfrm>
           </p:grpSpPr>
           <p:sp>
@@ -4222,8 +4223,8 @@
             </p:nvSpPr>
             <p:spPr>
               <a:xfrm>
-                <a:off x="5162532" y="997173"/>
-                <a:ext cx="472541" cy="257946"/>
+                <a:off x="4949454" y="995851"/>
+                <a:ext cx="1495109" cy="211047"/>
               </a:xfrm>
               <a:prstGeom prst="rect">
                 <a:avLst/>
@@ -4236,9 +4237,39 @@
               </a:bodyPr>
               <a:lstStyle/>
               <a:p>
+                <a:pPr marL="0" marR="0" lvl="0" indent="0" algn="l" defTabSz="457200" rtl="0" eaLnBrk="1" fontAlgn="auto" latinLnBrk="0" hangingPunct="1">
+                  <a:lnSpc>
+                    <a:spcPct val="100000"/>
+                  </a:lnSpc>
+                  <a:spcBef>
+                    <a:spcPts val="0"/>
+                  </a:spcBef>
+                  <a:spcAft>
+                    <a:spcPts val="0"/>
+                  </a:spcAft>
+                  <a:buClrTx/>
+                  <a:buSzTx/>
+                  <a:buFontTx/>
+                  <a:buNone/>
+                  <a:tabLst/>
+                  <a:defRPr/>
+                </a:pPr>
                 <a:r>
-                  <a:rPr lang="en-US" sz="1600" b="1" dirty="0"/>
-                  <a:t>[0-9]</a:t>
+                  <a:rPr kumimoji="0" lang="en-US" sz="1200" b="1" i="0" u="none" strike="noStrike" kern="1200" cap="none" spc="0" normalizeH="0" baseline="0" noProof="0" dirty="0">
+                    <a:ln>
+                      <a:noFill/>
+                    </a:ln>
+                    <a:solidFill>
+                      <a:prstClr val="black"/>
+                    </a:solidFill>
+                    <a:effectLst/>
+                    <a:uLnTx/>
+                    <a:uFillTx/>
+                    <a:latin typeface="Calibri" panose="020F0502020204030204"/>
+                    <a:ea typeface="+mn-ea"/>
+                    <a:cs typeface="+mn-cs"/>
+                  </a:rPr>
+                  <a:t>0,1,2,3,4,5,6,7,8,9</a:t>
                 </a:r>
               </a:p>
             </p:txBody>
